--- a/docs/images/sequencing figures.pptx
+++ b/docs/images/sequencing figures.pptx
@@ -3764,6 +3764,60 @@
           <a:chExt cx="0" cy="0"/>
         </a:xfrm>
       </p:grpSpPr>
+      <p:sp>
+        <p:nvSpPr>
+          <p:cNvPr id="19" name="Rounded Rectangle 18">
+            <a:extLst>
+              <a:ext uri="{FF2B5EF4-FFF2-40B4-BE49-F238E27FC236}">
+                <a16:creationId xmlns:a16="http://schemas.microsoft.com/office/drawing/2014/main" id="{0A0DCC67-51C6-841E-D1E6-DC057EE60A63}"/>
+              </a:ext>
+            </a:extLst>
+          </p:cNvPr>
+          <p:cNvSpPr/>
+          <p:nvPr/>
+        </p:nvSpPr>
+        <p:spPr>
+          <a:xfrm>
+            <a:off x="633984" y="2121408"/>
+            <a:ext cx="7668768" cy="2633472"/>
+          </a:xfrm>
+          <a:prstGeom prst="roundRect">
+            <a:avLst>
+              <a:gd name="adj" fmla="val 6019"/>
+            </a:avLst>
+          </a:prstGeom>
+          <a:solidFill>
+            <a:schemeClr val="bg1"/>
+          </a:solidFill>
+          <a:ln>
+            <a:noFill/>
+          </a:ln>
+        </p:spPr>
+        <p:style>
+          <a:lnRef idx="2">
+            <a:schemeClr val="accent1">
+              <a:shade val="15000"/>
+            </a:schemeClr>
+          </a:lnRef>
+          <a:fillRef idx="1">
+            <a:schemeClr val="accent1"/>
+          </a:fillRef>
+          <a:effectRef idx="0">
+            <a:schemeClr val="accent1"/>
+          </a:effectRef>
+          <a:fontRef idx="minor">
+            <a:schemeClr val="lt1"/>
+          </a:fontRef>
+        </p:style>
+        <p:txBody>
+          <a:bodyPr rtlCol="0" anchor="ctr"/>
+          <a:lstStyle/>
+          <a:p>
+            <a:pPr algn="ctr"/>
+            <a:endParaRPr lang="en-US" dirty="0"/>
+          </a:p>
+        </p:txBody>
+      </p:sp>
       <p:pic>
         <p:nvPicPr>
           <p:cNvPr id="4" name="Picture 3">
@@ -3786,7 +3840,7 @@
         </p:blipFill>
         <p:spPr>
           <a:xfrm>
-            <a:off x="5986272" y="2727730"/>
+            <a:off x="5681472" y="2727730"/>
             <a:ext cx="2464054" cy="1904395"/>
           </a:xfrm>
           <a:prstGeom prst="rect">
@@ -3808,7 +3862,7 @@
         </p:nvSpPr>
         <p:spPr>
           <a:xfrm>
-            <a:off x="6243574" y="2218944"/>
+            <a:off x="5910493" y="2218944"/>
             <a:ext cx="2206752" cy="369332"/>
           </a:xfrm>
           <a:prstGeom prst="rect">
@@ -3908,7 +3962,7 @@
         </p:nvSpPr>
         <p:spPr>
           <a:xfrm>
-            <a:off x="3395472" y="2218944"/>
+            <a:off x="3151632" y="2218944"/>
             <a:ext cx="2700528" cy="369332"/>
           </a:xfrm>
           <a:prstGeom prst="rect">
@@ -3951,7 +4005,7 @@
         </p:blipFill>
         <p:spPr>
           <a:xfrm>
-            <a:off x="3526940" y="2750694"/>
+            <a:off x="3283100" y="2750694"/>
             <a:ext cx="2104131" cy="1881431"/>
           </a:xfrm>
           <a:prstGeom prst="rect">
@@ -3959,6 +4013,95 @@
           </a:prstGeom>
         </p:spPr>
       </p:pic>
+      <p:sp>
+        <p:nvSpPr>
+          <p:cNvPr id="16" name="Left Bracket 15">
+            <a:extLst>
+              <a:ext uri="{FF2B5EF4-FFF2-40B4-BE49-F238E27FC236}">
+                <a16:creationId xmlns:a16="http://schemas.microsoft.com/office/drawing/2014/main" id="{0AD2A4AA-3434-DE92-0C6A-031E0B49156F}"/>
+              </a:ext>
+            </a:extLst>
+          </p:cNvPr>
+          <p:cNvSpPr/>
+          <p:nvPr/>
+        </p:nvSpPr>
+        <p:spPr>
+          <a:xfrm rot="16200000">
+            <a:off x="7408280" y="2345320"/>
+            <a:ext cx="70781" cy="1403710"/>
+          </a:xfrm>
+          <a:prstGeom prst="leftBracket">
+            <a:avLst/>
+          </a:prstGeom>
+        </p:spPr>
+        <p:style>
+          <a:lnRef idx="2">
+            <a:schemeClr val="accent1"/>
+          </a:lnRef>
+          <a:fillRef idx="0">
+            <a:schemeClr val="accent1"/>
+          </a:fillRef>
+          <a:effectRef idx="1">
+            <a:schemeClr val="accent1"/>
+          </a:effectRef>
+          <a:fontRef idx="minor">
+            <a:schemeClr val="tx1"/>
+          </a:fontRef>
+        </p:style>
+        <p:txBody>
+          <a:bodyPr rtlCol="0" anchor="ctr"/>
+          <a:lstStyle/>
+          <a:p>
+            <a:pPr algn="ctr"/>
+            <a:endParaRPr lang="en-US"/>
+          </a:p>
+        </p:txBody>
+      </p:sp>
+      <p:sp>
+        <p:nvSpPr>
+          <p:cNvPr id="18" name="TextBox 17">
+            <a:extLst>
+              <a:ext uri="{FF2B5EF4-FFF2-40B4-BE49-F238E27FC236}">
+                <a16:creationId xmlns:a16="http://schemas.microsoft.com/office/drawing/2014/main" id="{770A92A2-CBCB-6EC8-FC9C-628EB7F3935D}"/>
+              </a:ext>
+            </a:extLst>
+          </p:cNvPr>
+          <p:cNvSpPr txBox="1"/>
+          <p:nvPr/>
+        </p:nvSpPr>
+        <p:spPr>
+          <a:xfrm>
+            <a:off x="6666321" y="3047174"/>
+            <a:ext cx="1479205" cy="261610"/>
+          </a:xfrm>
+          <a:prstGeom prst="rect">
+            <a:avLst/>
+          </a:prstGeom>
+          <a:noFill/>
+        </p:spPr>
+        <p:txBody>
+          <a:bodyPr wrap="square">
+            <a:spAutoFit/>
+          </a:bodyPr>
+          <a:lstStyle/>
+          <a:p>
+            <a:pPr algn="ctr"/>
+            <a:r>
+              <a:rPr lang="en-US" sz="1100" b="1" dirty="0">
+                <a:solidFill>
+                  <a:schemeClr val="accent1"/>
+                </a:solidFill>
+              </a:rPr>
+              <a:t>Two signals present</a:t>
+            </a:r>
+            <a:endParaRPr lang="en-US" sz="1100" dirty="0">
+              <a:solidFill>
+                <a:schemeClr val="accent1"/>
+              </a:solidFill>
+            </a:endParaRPr>
+          </a:p>
+        </p:txBody>
+      </p:sp>
     </p:spTree>
     <p:extLst>
       <p:ext uri="{BB962C8B-B14F-4D97-AF65-F5344CB8AC3E}">
